--- a/9조_최종프로젝트_김태한_배상원_발표.pptx
+++ b/9조_최종프로젝트_김태한_배상원_발표.pptx
@@ -281,7 +281,7 @@
       <p15:sldGuideLst xmlns:p15="http://schemas.microsoft.com/office/powerpoint/2012/main"/>
     </p:ext>
     <p:ext uri="http://customooxmlschemas.google.com/">
-      <go:slidesCustomData xmlns="" xmlns:mc="http://schemas.openxmlformats.org/markup-compatibility/2006" xmlns:mv="urn:schemas-microsoft-com:mac:vml" xmlns:c="http://schemas.openxmlformats.org/drawingml/2006/chart" xmlns:dgm="http://schemas.openxmlformats.org/drawingml/2006/diagram" xmlns:o="urn:schemas-microsoft-com:office:office" xmlns:v="urn:schemas-microsoft-com:vml" xmlns:pvml="urn:schemas-microsoft-com:office:powerpoint" xmlns:com="http://schemas.openxmlformats.org/drawingml/2006/compatibility" xmlns:p14="http://schemas.microsoft.com/office/powerpoint/2010/main" xmlns:p15="http://schemas.microsoft.com/office/powerpoint/2012/main" xmlns:ahyp="http://schemas.microsoft.com/office/drawing/2018/hyperlinkcolor" xmlns:go="http://customooxmlschemas.google.com/" r:id="rId28" roundtripDataSignature="AMtx7mh+K67gv31Eqs4obEKcodAhSIqumA=="/>
+      <go:slidesCustomData xmlns:go="http://customooxmlschemas.google.com/" xmlns:ahyp="http://schemas.microsoft.com/office/drawing/2018/hyperlinkcolor" xmlns:p15="http://schemas.microsoft.com/office/powerpoint/2012/main" xmlns:p14="http://schemas.microsoft.com/office/powerpoint/2010/main" xmlns:com="http://schemas.openxmlformats.org/drawingml/2006/compatibility" xmlns:pvml="urn:schemas-microsoft-com:office:powerpoint" xmlns:v="urn:schemas-microsoft-com:vml" xmlns:o="urn:schemas-microsoft-com:office:office" xmlns:dgm="http://schemas.openxmlformats.org/drawingml/2006/diagram" xmlns:c="http://schemas.openxmlformats.org/drawingml/2006/chart" xmlns:mv="urn:schemas-microsoft-com:mac:vml" xmlns:mc="http://schemas.openxmlformats.org/markup-compatibility/2006" xmlns="" r:id="rId28" roundtripDataSignature="AMtx7mh+K67gv31Eqs4obEKcodAhSIqumA=="/>
     </p:ext>
   </p:extLst>
 </p:presentation>
@@ -10165,110 +10165,227 @@
           <a:chExt cx="0" cy="0"/>
         </a:xfrm>
       </p:grpSpPr>
-      <p:sp>
-        <p:nvSpPr>
-          <p:cNvPr id="3" name="텍스트 개체 틀 2">
-            <a:extLst>
-              <a:ext uri="{FF2B5EF4-FFF2-40B4-BE49-F238E27FC236}">
-                <a16:creationId xmlns:a16="http://schemas.microsoft.com/office/drawing/2014/main" id="{2A799433-5A46-2FDF-83A5-6ECE19FBDD82}"/>
-              </a:ext>
-            </a:extLst>
-          </p:cNvPr>
-          <p:cNvSpPr>
-            <a:spLocks noGrp="1"/>
-          </p:cNvSpPr>
-          <p:nvPr>
-            <p:ph type="body" idx="1"/>
-          </p:nvPr>
-        </p:nvSpPr>
-        <p:spPr>
-          <a:xfrm>
-            <a:off x="516000" y="1216020"/>
-            <a:ext cx="11160000" cy="4851225"/>
-          </a:xfrm>
-        </p:spPr>
-        <p:txBody>
-          <a:bodyPr>
-            <a:normAutofit/>
-          </a:bodyPr>
-          <a:lstStyle/>
-          <a:p>
-            <a:pPr indent="-342000">
-              <a:lnSpc>
-                <a:spcPct val="110000"/>
-              </a:lnSpc>
-            </a:pPr>
-            <a:r>
-              <a:rPr lang="en-US" altLang="ko-KR" dirty="0"/>
-              <a:t>Key Achievements</a:t>
-            </a:r>
-          </a:p>
-          <a:p>
-            <a:pPr lvl="1" indent="-342000">
-              <a:lnSpc>
-                <a:spcPct val="110000"/>
-              </a:lnSpc>
-            </a:pPr>
-            <a:r>
-              <a:rPr lang="en-US" altLang="ko-KR" dirty="0"/>
-              <a:t>Computation acceleration through parallelization of matrix multiplication</a:t>
-            </a:r>
-          </a:p>
-          <a:p>
-            <a:pPr lvl="1" indent="-342000">
-              <a:lnSpc>
-                <a:spcPct val="110000"/>
-              </a:lnSpc>
-            </a:pPr>
-            <a:r>
-              <a:rPr lang="en-US" altLang="ko-KR" dirty="0"/>
-              <a:t>Enhanced memory access efficiency with BRAM architecture</a:t>
-            </a:r>
-          </a:p>
-          <a:p>
-            <a:pPr indent="-342000">
-              <a:lnSpc>
-                <a:spcPct val="110000"/>
-              </a:lnSpc>
-            </a:pPr>
-            <a:r>
-              <a:rPr lang="en-US" altLang="ko-KR" dirty="0"/>
-              <a:t>Limitations</a:t>
-            </a:r>
-          </a:p>
-          <a:p>
-            <a:pPr lvl="1" indent="-342000">
-              <a:lnSpc>
-                <a:spcPct val="110000"/>
-              </a:lnSpc>
-            </a:pPr>
-            <a:r>
-              <a:rPr lang="en-US" altLang="ko-KR" dirty="0"/>
-              <a:t>Small matrix size</a:t>
-            </a:r>
-          </a:p>
-          <a:p>
-            <a:pPr lvl="1" indent="-342000">
-              <a:lnSpc>
-                <a:spcPct val="110000"/>
-              </a:lnSpc>
-            </a:pPr>
-            <a:r>
-              <a:rPr lang="en-US" altLang="ko-KR" dirty="0"/>
-              <a:t>Speed/Power comparison</a:t>
-            </a:r>
-          </a:p>
-          <a:p>
-            <a:pPr marL="115200" indent="0">
-              <a:lnSpc>
-                <a:spcPct val="110000"/>
-              </a:lnSpc>
-              <a:buNone/>
-            </a:pPr>
-            <a:endParaRPr lang="en-US" altLang="ko-KR" dirty="0"/>
-          </a:p>
-        </p:txBody>
-      </p:sp>
+      <mc:AlternateContent xmlns:mc="http://schemas.openxmlformats.org/markup-compatibility/2006">
+        <mc:Choice xmlns:a14="http://schemas.microsoft.com/office/drawing/2010/main" Requires="a14">
+          <p:sp>
+            <p:nvSpPr>
+              <p:cNvPr id="3" name="텍스트 개체 틀 2">
+                <a:extLst>
+                  <a:ext uri="{FF2B5EF4-FFF2-40B4-BE49-F238E27FC236}">
+                    <a16:creationId xmlns:a16="http://schemas.microsoft.com/office/drawing/2014/main" id="{2A799433-5A46-2FDF-83A5-6ECE19FBDD82}"/>
+                  </a:ext>
+                </a:extLst>
+              </p:cNvPr>
+              <p:cNvSpPr>
+                <a:spLocks noGrp="1"/>
+              </p:cNvSpPr>
+              <p:nvPr>
+                <p:ph type="body" idx="1"/>
+              </p:nvPr>
+            </p:nvSpPr>
+            <p:spPr>
+              <a:xfrm>
+                <a:off x="516000" y="1216020"/>
+                <a:ext cx="11160000" cy="4851225"/>
+              </a:xfrm>
+            </p:spPr>
+            <p:txBody>
+              <a:bodyPr>
+                <a:normAutofit/>
+              </a:bodyPr>
+              <a:lstStyle/>
+              <a:p>
+                <a:pPr indent="-342000">
+                  <a:lnSpc>
+                    <a:spcPct val="110000"/>
+                  </a:lnSpc>
+                </a:pPr>
+                <a:r>
+                  <a:rPr lang="en-US" altLang="ko-KR" dirty="0"/>
+                  <a:t>Key Achievements</a:t>
+                </a:r>
+              </a:p>
+              <a:p>
+                <a:pPr lvl="1" indent="-342000">
+                  <a:lnSpc>
+                    <a:spcPct val="110000"/>
+                  </a:lnSpc>
+                </a:pPr>
+                <a:r>
+                  <a:rPr lang="en-US" altLang="ko-KR" dirty="0"/>
+                  <a:t>Computation acceleration through parallelization of matrix multiplication</a:t>
+                </a:r>
+              </a:p>
+              <a:p>
+                <a:pPr lvl="2" indent="-342000">
+                  <a:lnSpc>
+                    <a:spcPct val="110000"/>
+                  </a:lnSpc>
+                </a:pPr>
+                <a:r>
+                  <a:rPr lang="en-US" altLang="ko-KR" dirty="0"/>
+                  <a:t>PL : 158.72</a:t>
+                </a:r>
+                <a:r>
+                  <a:rPr lang="ko-KR" altLang="en-US" sz="2000" dirty="0"/>
+                  <a:t> </a:t>
+                </a:r>
+                <a14:m>
+                  <m:oMath xmlns:m="http://schemas.openxmlformats.org/officeDocument/2006/math">
+                    <m:r>
+                      <a:rPr lang="ko-KR" altLang="en-US" sz="2000" i="1" smtClean="0">
+                        <a:latin typeface="Cambria Math" panose="02040503050406030204" pitchFamily="18" charset="0"/>
+                      </a:rPr>
+                      <m:t>𝜇</m:t>
+                    </m:r>
+                    <m:r>
+                      <a:rPr lang="en-US" altLang="ko-KR" sz="2000" b="0" i="1" smtClean="0">
+                        <a:latin typeface="Cambria Math" panose="02040503050406030204" pitchFamily="18" charset="0"/>
+                      </a:rPr>
+                      <m:t>𝑠</m:t>
+                    </m:r>
+                  </m:oMath>
+                </a14:m>
+                <a:r>
+                  <a:rPr lang="en-US" altLang="ko-KR" dirty="0"/>
+                  <a:t> with 100MHz frequency</a:t>
+                </a:r>
+              </a:p>
+              <a:p>
+                <a:pPr lvl="2" indent="-342000">
+                  <a:lnSpc>
+                    <a:spcPct val="110000"/>
+                  </a:lnSpc>
+                </a:pPr>
+                <a:r>
+                  <a:rPr lang="en-US" altLang="ko-KR" dirty="0"/>
+                  <a:t>PS(ARM) : 163.33</a:t>
+                </a:r>
+                <a:r>
+                  <a:rPr lang="ko-KR" altLang="en-US" sz="2000" dirty="0"/>
+                  <a:t> </a:t>
+                </a:r>
+                <a14:m>
+                  <m:oMath xmlns:m="http://schemas.openxmlformats.org/officeDocument/2006/math">
+                    <m:r>
+                      <a:rPr lang="ko-KR" altLang="en-US" sz="2000" i="1" smtClean="0">
+                        <a:latin typeface="Cambria Math" panose="02040503050406030204" pitchFamily="18" charset="0"/>
+                      </a:rPr>
+                      <m:t>𝜇</m:t>
+                    </m:r>
+                    <m:r>
+                      <a:rPr lang="en-US" altLang="ko-KR" sz="2000" b="0" i="1" smtClean="0">
+                        <a:latin typeface="Cambria Math" panose="02040503050406030204" pitchFamily="18" charset="0"/>
+                      </a:rPr>
+                      <m:t>𝑠</m:t>
+                    </m:r>
+                  </m:oMath>
+                </a14:m>
+                <a:r>
+                  <a:rPr lang="en-US" altLang="ko-KR" dirty="0"/>
+                  <a:t> with 1.2GHz frequency</a:t>
+                </a:r>
+              </a:p>
+              <a:p>
+                <a:pPr lvl="1" indent="-342000">
+                  <a:lnSpc>
+                    <a:spcPct val="110000"/>
+                  </a:lnSpc>
+                </a:pPr>
+                <a:r>
+                  <a:rPr lang="en-US" altLang="ko-KR" dirty="0"/>
+                  <a:t>Enhanced memory access efficiency with BRAM architecture</a:t>
+                </a:r>
+              </a:p>
+              <a:p>
+                <a:pPr indent="-342000">
+                  <a:lnSpc>
+                    <a:spcPct val="110000"/>
+                  </a:lnSpc>
+                </a:pPr>
+                <a:r>
+                  <a:rPr lang="en-US" altLang="ko-KR" dirty="0"/>
+                  <a:t>Limitations</a:t>
+                </a:r>
+              </a:p>
+              <a:p>
+                <a:pPr lvl="1" indent="-342000">
+                  <a:lnSpc>
+                    <a:spcPct val="110000"/>
+                  </a:lnSpc>
+                </a:pPr>
+                <a:r>
+                  <a:rPr lang="en-US" altLang="ko-KR" dirty="0"/>
+                  <a:t>Small matrix size</a:t>
+                </a:r>
+              </a:p>
+              <a:p>
+                <a:pPr lvl="1" indent="-342000">
+                  <a:lnSpc>
+                    <a:spcPct val="110000"/>
+                  </a:lnSpc>
+                </a:pPr>
+                <a:r>
+                  <a:rPr lang="en-US" altLang="ko-KR" dirty="0"/>
+                  <a:t>Speed/Power comparison</a:t>
+                </a:r>
+              </a:p>
+              <a:p>
+                <a:pPr marL="115200" indent="0">
+                  <a:lnSpc>
+                    <a:spcPct val="110000"/>
+                  </a:lnSpc>
+                  <a:buNone/>
+                </a:pPr>
+                <a:endParaRPr lang="en-US" altLang="ko-KR" dirty="0"/>
+              </a:p>
+            </p:txBody>
+          </p:sp>
+        </mc:Choice>
+        <mc:Fallback>
+          <p:sp>
+            <p:nvSpPr>
+              <p:cNvPr id="3" name="텍스트 개체 틀 2">
+                <a:extLst>
+                  <a:ext uri="{FF2B5EF4-FFF2-40B4-BE49-F238E27FC236}">
+                    <a16:creationId xmlns:a16="http://schemas.microsoft.com/office/drawing/2014/main" id="{2A799433-5A46-2FDF-83A5-6ECE19FBDD82}"/>
+                  </a:ext>
+                </a:extLst>
+              </p:cNvPr>
+              <p:cNvSpPr>
+                <a:spLocks noGrp="1" noRot="1" noChangeAspect="1" noMove="1" noResize="1" noEditPoints="1" noAdjustHandles="1" noChangeArrowheads="1" noChangeShapeType="1" noTextEdit="1"/>
+              </p:cNvSpPr>
+              <p:nvPr>
+                <p:ph type="body" idx="1"/>
+              </p:nvPr>
+            </p:nvSpPr>
+            <p:spPr>
+              <a:xfrm>
+                <a:off x="516000" y="1216020"/>
+                <a:ext cx="11160000" cy="4851225"/>
+              </a:xfrm>
+              <a:blipFill>
+                <a:blip r:embed="rId3"/>
+                <a:stretch>
+                  <a:fillRect/>
+                </a:stretch>
+              </a:blipFill>
+            </p:spPr>
+            <p:txBody>
+              <a:bodyPr/>
+              <a:lstStyle/>
+              <a:p>
+                <a:r>
+                  <a:rPr lang="ko-KR" altLang="en-US">
+                    <a:noFill/>
+                  </a:rPr>
+                  <a:t> </a:t>
+                </a:r>
+              </a:p>
+            </p:txBody>
+          </p:sp>
+        </mc:Fallback>
+      </mc:AlternateContent>
       <p:sp>
         <p:nvSpPr>
           <p:cNvPr id="2" name="제목 1">
@@ -10356,15 +10473,15 @@
           <p:nvPr/>
         </p:nvPicPr>
         <p:blipFill>
-          <a:blip r:embed="rId3"/>
+          <a:blip r:embed="rId4"/>
           <a:stretch>
             <a:fillRect/>
           </a:stretch>
         </p:blipFill>
         <p:spPr>
           <a:xfrm>
-            <a:off x="5355714" y="3150517"/>
-            <a:ext cx="5916135" cy="2916728"/>
+            <a:off x="5585753" y="3760104"/>
+            <a:ext cx="4679682" cy="2307141"/>
           </a:xfrm>
           <a:prstGeom prst="rect">
             <a:avLst/>
